--- a/test/test-en.pptx
+++ b/test/test-en.pptx
@@ -212,7 +212,7 @@
           <a:p>
             <a:fld id="{4AAAF045-FEF6-43EA-9CDC-C84FC3F85E9C}" type="datetimeFigureOut">
               <a:rPr lang="en-US" smtClean="0"/>
-              <a:t>1/23/25</a:t>
+              <a:t>1/24/25</a:t>
             </a:fld>
             <a:endParaRPr lang="en-US"/>
           </a:p>
@@ -710,48 +710,42 @@
           <a:lstStyle/>
           <a:p>
             <a:r>
-              <a:rPr lang="en-US" altLang="zh-CN" dirty="0"/>
+              <a:rPr lang="en-US" altLang="zh-CN" dirty="0">
+                <a:latin typeface="+mn-lt"/>
+              </a:rPr>
               <a:t>There are just four simple steps:</a:t>
             </a:r>
           </a:p>
           <a:p>
-            <a:pPr>
-              <a:buFont typeface="+mj-lt"/>
-              <a:buAutoNum type="arabicPeriod"/>
-            </a:pPr>
             <a:r>
-              <a:rPr lang="en-US" altLang="zh-CN" dirty="0"/>
-              <a:t>Click the 'Select PPT' button to load your PowerPoint presentation.</a:t>
+              <a:rPr lang="en-US" altLang="zh-CN" dirty="0">
+                <a:latin typeface="+mn-lt"/>
+              </a:rPr>
+              <a:t>1.Click the ’Select PPT' button to load your PowerPoint presentation.</a:t>
             </a:r>
           </a:p>
           <a:p>
-            <a:pPr>
-              <a:buFont typeface="+mj-lt"/>
-              <a:buAutoNum type="arabicPeriod"/>
-            </a:pPr>
             <a:r>
-              <a:rPr lang="en-US" altLang="zh-CN" dirty="0"/>
-              <a:t>Adjust the AI voice, narration speed, and other settings as needed.</a:t>
+              <a:rPr lang="en-US" altLang="zh-CN" dirty="0">
+                <a:latin typeface="+mn-lt"/>
+              </a:rPr>
+              <a:t>2.Adjust the AI voice, narration speed, and other settings as needed.</a:t>
             </a:r>
           </a:p>
           <a:p>
-            <a:pPr>
-              <a:buFont typeface="+mj-lt"/>
-              <a:buAutoNum type="arabicPeriod"/>
-            </a:pPr>
             <a:r>
-              <a:rPr lang="en-US" altLang="zh-CN" dirty="0"/>
-              <a:t>Click the 'Generate Video' button to begin the conversion process.</a:t>
+              <a:rPr lang="en-US" altLang="zh-CN" dirty="0">
+                <a:latin typeface="+mn-lt"/>
+              </a:rPr>
+              <a:t>3.Click the 'Generate Video' button to begin the conversion process.</a:t>
             </a:r>
           </a:p>
           <a:p>
-            <a:pPr>
-              <a:buFont typeface="+mj-lt"/>
-              <a:buAutoNum type="arabicPeriod"/>
-            </a:pPr>
             <a:r>
-              <a:rPr lang="en-US" altLang="zh-CN" dirty="0"/>
-              <a:t>Play the video to ensure everything looks and sounds perfect.</a:t>
+              <a:rPr lang="en-US" altLang="zh-CN" dirty="0">
+                <a:latin typeface="+mn-lt"/>
+              </a:rPr>
+              <a:t>4.Play the video to ensure everything looks and sounds perfect.</a:t>
             </a:r>
           </a:p>
         </p:txBody>

--- a/test/test-en.pptx
+++ b/test/test-en.pptx
@@ -212,7 +212,7 @@
           <a:p>
             <a:fld id="{4AAAF045-FEF6-43EA-9CDC-C84FC3F85E9C}" type="datetimeFigureOut">
               <a:rPr lang="en-US" smtClean="0"/>
-              <a:t>1/24/25</a:t>
+              <a:t>1/27/25</a:t>
             </a:fld>
             <a:endParaRPr lang="en-US"/>
           </a:p>
@@ -524,12 +524,16 @@
           <a:lstStyle/>
           <a:p>
             <a:r>
-              <a:rPr lang="en-US" altLang="zh-CN" dirty="0" err="1"/>
+              <a:rPr lang="en-US" altLang="zh-CN" dirty="0"/>
+              <a:t>Looking to create stunning presentation videos effortlessly? Meet </a:t>
+            </a:r>
+            <a:r>
+              <a:rPr lang="en-US" altLang="zh-CN" b="0" dirty="0" err="1"/>
               <a:t>PPTFlow</a:t>
             </a:r>
             <a:r>
               <a:rPr lang="en-US" altLang="zh-CN" dirty="0"/>
-              <a:t> is a powerful open-source desktop application that swiftly converts PowerPoint slides into videos with AI narration and subtitles. It is ideal for educators, marketers, and content creators who want to enhance their presentations and reach a broader audience.</a:t>
+              <a:t>—the ultimate tool to turn your PowerPoints into captivating videos in just minutes. Let’s take a closer look!</a:t>
             </a:r>
           </a:p>
         </p:txBody>
@@ -614,18 +618,14 @@
           <a:bodyPr/>
           <a:lstStyle/>
           <a:p>
-            <a:pPr algn="l"/>
+            <a:r>
+              <a:rPr lang="en-US" altLang="zh-CN" b="1" dirty="0" err="1"/>
+              <a:t>PPTFlow</a:t>
+            </a:r>
             <a:r>
               <a:rPr lang="en-US" altLang="zh-CN" dirty="0"/>
-              <a:t>It effortlessly converts PPT slides into videos without the need for online uploads. It generates natural-sounding AI voice narration from speaker notes, automatically creates subtitles for enhanced accessibility, and allows you to adjust narration speed, voice, and video quality according to your preferences.</a:t>
+              <a:t> is a powerful, open-source desktop application that quickly converts PowerPoint slides into engaging videos—without the need for online uploads. It generates natural-sounding AI voice narration directly from speaker notes, automatically creates subtitles for enhanced accessibility, and gives you full control to adjust narration speed, voice, and video quality according to your preferences.</a:t>
             </a:r>
-            <a:endParaRPr lang="en-US" altLang="zh-CN" b="0" i="0" dirty="0">
-              <a:solidFill>
-                <a:srgbClr val="111827"/>
-              </a:solidFill>
-              <a:effectLst/>
-              <a:latin typeface="ui-sans-serif"/>
-            </a:endParaRPr>
           </a:p>
         </p:txBody>
       </p:sp>
@@ -710,42 +710,80 @@
           <a:lstStyle/>
           <a:p>
             <a:r>
-              <a:rPr lang="en-US" altLang="zh-CN" dirty="0">
-                <a:latin typeface="+mn-lt"/>
-              </a:rPr>
-              <a:t>There are just four simple steps:</a:t>
+              <a:rPr lang="en-US" altLang="zh-CN" b="0" dirty="0"/>
+              <a:t>Perfect for educators, marketers, and content creators, </a:t>
+            </a:r>
+            <a:r>
+              <a:rPr lang="en-US" altLang="zh-CN" b="0" dirty="0" err="1"/>
+              <a:t>PPTFlow</a:t>
+            </a:r>
+            <a:r>
+              <a:rPr lang="en-US" altLang="zh-CN" b="0" dirty="0"/>
+              <a:t> makes video creation simple and efficient. Follow these four easy steps:</a:t>
             </a:r>
           </a:p>
           <a:p>
             <a:r>
-              <a:rPr lang="en-US" altLang="zh-CN" dirty="0">
-                <a:latin typeface="+mn-lt"/>
-              </a:rPr>
-              <a:t>1.Click the ’Select PPT' button to load your PowerPoint presentation.</a:t>
+              <a:rPr lang="en-US" altLang="zh-CN" b="0" dirty="0"/>
+              <a:t>1.Click </a:t>
+            </a:r>
+            <a:r>
+              <a:rPr lang="en-US" altLang="zh-CN" b="0" dirty="0" err="1"/>
+              <a:t>the‘Select</a:t>
+            </a:r>
+            <a:r>
+              <a:rPr lang="en-US" altLang="zh-CN" b="0" dirty="0"/>
+              <a:t> </a:t>
+            </a:r>
+            <a:r>
+              <a:rPr lang="en-US" altLang="zh-CN" b="0" dirty="0" err="1"/>
+              <a:t>PPT’button</a:t>
+            </a:r>
+            <a:r>
+              <a:rPr lang="en-US" altLang="zh-CN" b="0" dirty="0"/>
+              <a:t> to load your PowerPoint presentation.</a:t>
             </a:r>
           </a:p>
           <a:p>
             <a:r>
-              <a:rPr lang="en-US" altLang="zh-CN" dirty="0">
-                <a:latin typeface="+mn-lt"/>
-              </a:rPr>
+              <a:rPr lang="en-US" altLang="zh-CN" b="0" dirty="0"/>
               <a:t>2.Adjust the AI voice, narration speed, and other settings as needed.</a:t>
             </a:r>
           </a:p>
           <a:p>
             <a:r>
-              <a:rPr lang="en-US" altLang="zh-CN" dirty="0">
-                <a:latin typeface="+mn-lt"/>
-              </a:rPr>
-              <a:t>3.Click the 'Generate Video' button to begin the conversion process.</a:t>
+              <a:rPr lang="en-US" altLang="zh-CN" b="0" dirty="0"/>
+              <a:t>3.Click </a:t>
+            </a:r>
+            <a:r>
+              <a:rPr lang="en-US" altLang="zh-CN" b="0" dirty="0" err="1"/>
+              <a:t>the‘Generate</a:t>
+            </a:r>
+            <a:r>
+              <a:rPr lang="en-US" altLang="zh-CN" b="0" dirty="0"/>
+              <a:t> </a:t>
+            </a:r>
+            <a:r>
+              <a:rPr lang="en-US" altLang="zh-CN" b="0" dirty="0" err="1"/>
+              <a:t>Video’button</a:t>
+            </a:r>
+            <a:r>
+              <a:rPr lang="en-US" altLang="zh-CN" b="0" dirty="0"/>
+              <a:t> to begin the conversion </a:t>
+            </a:r>
+            <a:r>
+              <a:rPr lang="en-US" altLang="zh-CN" b="0"/>
+              <a:t>process.</a:t>
             </a:r>
           </a:p>
           <a:p>
             <a:r>
-              <a:rPr lang="en-US" altLang="zh-CN" dirty="0">
-                <a:latin typeface="+mn-lt"/>
-              </a:rPr>
-              <a:t>4.Play the video to ensure everything looks and sounds perfect.</a:t>
+              <a:rPr lang="en-US" altLang="zh-CN" b="0"/>
+              <a:t>4</a:t>
+            </a:r>
+            <a:r>
+              <a:rPr lang="en-US" altLang="zh-CN" b="0" dirty="0"/>
+              <a:t>.Play the video to ensure everything looks and sounds perfect.</a:t>
             </a:r>
           </a:p>
         </p:txBody>
@@ -832,7 +870,7 @@
           <a:p>
             <a:r>
               <a:rPr lang="en-US" altLang="zh-CN" dirty="0"/>
-              <a:t>We invite you to visit our website regularly to stay informed about the latest updates, news, and developments. By doing so, you can ensure that you never miss important announcements and can explore all the resources.</a:t>
+              <a:t>We invite you to visit our website regularly to stay updated on the latest news, features, and developments. By staying connected, you’ll never miss important announcements and can take full advantage of all the resources we have to offer.</a:t>
             </a:r>
             <a:endParaRPr kumimoji="1" lang="zh-CN" altLang="en-US" dirty="0"/>
           </a:p>

--- a/test/test-en.pptx
+++ b/test/test-en.pptx
@@ -212,7 +212,7 @@
           <a:p>
             <a:fld id="{4AAAF045-FEF6-43EA-9CDC-C84FC3F85E9C}" type="datetimeFigureOut">
               <a:rPr lang="en-US" smtClean="0"/>
-              <a:t>1/27/25</a:t>
+              <a:t>2/14/25</a:t>
             </a:fld>
             <a:endParaRPr lang="en-US"/>
           </a:p>
@@ -624,7 +624,7 @@
             </a:r>
             <a:r>
               <a:rPr lang="en-US" altLang="zh-CN" dirty="0"/>
-              <a:t> is a powerful, open-source desktop application that quickly converts PowerPoint slides into engaging videos—without the need for online uploads. It generates natural-sounding AI voice narration directly from speaker notes, automatically creates subtitles for enhanced accessibility, and gives you full control to adjust narration speed, voice, and video quality according to your preferences.</a:t>
+              <a:t> is a powerful, open-source desktop application that quickly converts PowerPoint slides into engaging videos, without the need for online uploads. It generates natural-sounding AI voice narration directly from speaker notes, automatically creates subtitles for enhanced accessibility, and gives you full control to adjust narration speed, voice, and video quality according to your preferences.</a:t>
             </a:r>
           </a:p>
         </p:txBody>
@@ -723,26 +723,38 @@
             </a:r>
           </a:p>
           <a:p>
+            <a:pPr marL="0" marR="0" lvl="0" indent="0" algn="l" defTabSz="914400" rtl="0" eaLnBrk="1" fontAlgn="auto" latinLnBrk="0" hangingPunct="1">
+              <a:lnSpc>
+                <a:spcPct val="100000"/>
+              </a:lnSpc>
+              <a:spcBef>
+                <a:spcPts val="0"/>
+              </a:spcBef>
+              <a:spcAft>
+                <a:spcPts val="0"/>
+              </a:spcAft>
+              <a:buClrTx/>
+              <a:buSzTx/>
+              <a:buFontTx/>
+              <a:buNone/>
+              <a:tabLst/>
+              <a:defRPr/>
+            </a:pPr>
             <a:r>
               <a:rPr lang="en-US" altLang="zh-CN" b="0" dirty="0"/>
-              <a:t>1.Click </a:t>
+              <a:t>1.</a:t>
             </a:r>
             <a:r>
-              <a:rPr lang="en-US" altLang="zh-CN" b="0" dirty="0" err="1"/>
-              <a:t>the‘Select</a:t>
+              <a:rPr lang="en-US" altLang="zh-CN" b="0" dirty="0">
+                <a:solidFill>
+                  <a:srgbClr val="000000"/>
+                </a:solidFill>
+                <a:effectLst/>
+                <a:latin typeface="Menlo" panose="020B0609030804020204" pitchFamily="49" charset="0"/>
+              </a:rPr>
+              <a:t>Click the "Select PPT" button to load your slides, along with the speaker notes.</a:t>
             </a:r>
-            <a:r>
-              <a:rPr lang="en-US" altLang="zh-CN" b="0" dirty="0"/>
-              <a:t> </a:t>
-            </a:r>
-            <a:r>
-              <a:rPr lang="en-US" altLang="zh-CN" b="0" dirty="0" err="1"/>
-              <a:t>PPT’button</a:t>
-            </a:r>
-            <a:r>
-              <a:rPr lang="en-US" altLang="zh-CN" b="0" dirty="0"/>
-              <a:t> to load your PowerPoint presentation.</a:t>
-            </a:r>
+            <a:endParaRPr lang="en-US" altLang="zh-CN" b="0" dirty="0"/>
           </a:p>
           <a:p>
             <a:r>
@@ -753,37 +765,45 @@
           <a:p>
             <a:r>
               <a:rPr lang="en-US" altLang="zh-CN" b="0" dirty="0"/>
-              <a:t>3.Click </a:t>
+              <a:t>3.Click the </a:t>
             </a:r>
             <a:r>
-              <a:rPr lang="en-US" altLang="zh-CN" b="0" dirty="0" err="1"/>
-              <a:t>the‘Generate</a:t>
+              <a:rPr lang="en-US" altLang="zh-CN" b="0" dirty="0">
+                <a:solidFill>
+                  <a:srgbClr val="000000"/>
+                </a:solidFill>
+                <a:effectLst/>
+                <a:latin typeface="Menlo" panose="020B0609030804020204" pitchFamily="49" charset="0"/>
+              </a:rPr>
+              <a:t>"</a:t>
+            </a:r>
+            <a:r>
+              <a:rPr lang="en-US" altLang="zh-CN" b="0"/>
+              <a:t>Generate Video</a:t>
+            </a:r>
+            <a:r>
+              <a:rPr lang="en-US" altLang="zh-CN" b="0">
+                <a:solidFill>
+                  <a:srgbClr val="000000"/>
+                </a:solidFill>
+                <a:effectLst/>
+                <a:latin typeface="Menlo" panose="020B0609030804020204" pitchFamily="49" charset="0"/>
+              </a:rPr>
+              <a:t>" </a:t>
+            </a:r>
+            <a:r>
+              <a:rPr lang="en-US" altLang="zh-CN" b="0"/>
+              <a:t>button </a:t>
             </a:r>
             <a:r>
               <a:rPr lang="en-US" altLang="zh-CN" b="0" dirty="0"/>
-              <a:t> </a:t>
-            </a:r>
-            <a:r>
-              <a:rPr lang="en-US" altLang="zh-CN" b="0" dirty="0" err="1"/>
-              <a:t>Video’button</a:t>
-            </a:r>
-            <a:r>
-              <a:rPr lang="en-US" altLang="zh-CN" b="0" dirty="0"/>
-              <a:t> to begin the conversion </a:t>
-            </a:r>
-            <a:r>
-              <a:rPr lang="en-US" altLang="zh-CN" b="0"/>
-              <a:t>process.</a:t>
+              <a:t>to begin the conversion process.</a:t>
             </a:r>
           </a:p>
           <a:p>
             <a:r>
-              <a:rPr lang="en-US" altLang="zh-CN" b="0"/>
-              <a:t>4</a:t>
-            </a:r>
-            <a:r>
               <a:rPr lang="en-US" altLang="zh-CN" b="0" dirty="0"/>
-              <a:t>.Play the video to ensure everything looks and sounds perfect.</a:t>
+              <a:t>4.Play the video to ensure everything looks and sounds perfect.</a:t>
             </a:r>
           </a:p>
         </p:txBody>
